--- a/Apresentação/Apresentação1.pptx
+++ b/Apresentação/Apresentação1.pptx
@@ -251,7 +251,7 @@
             <a:pPr rtl="0"/>
             <a:fld id="{F58AE55D-CF2D-4C8B-B179-7885597C049E}" type="datetime1">
               <a:rPr lang="pt-BR" smtClean="0"/>
-              <a:t>12/11/2024</a:t>
+              <a:t>13/11/2024</a:t>
             </a:fld>
             <a:endParaRPr lang="pt-BR"/>
           </a:p>
@@ -433,7 +433,7 @@
             <a:pPr rtl="0"/>
             <a:fld id="{50C05B78-ADF2-4CAD-BD0B-224DF3FBD11F}" type="datetime1">
               <a:rPr lang="pt-BR" noProof="0" smtClean="0"/>
-              <a:t>12/11/2024</a:t>
+              <a:t>13/11/2024</a:t>
             </a:fld>
             <a:endParaRPr lang="pt-BR" noProof="0"/>
           </a:p>
@@ -2657,7 +2657,7 @@
                 <a16:creationId xmlns:a16="http://schemas.microsoft.com/office/drawing/2014/main" id="{F1947BE1-D586-49AE-B2E6-EE426AA239B3}"/>
               </a:ext>
               <a:ext uri="{C183D7F6-B498-43B3-948B-1728B52AA6E4}">
-                <adec:decorative xmlns:adec="http://schemas.microsoft.com/office/drawing/2017/decorative" val="1"/>
+                <adec:decorative xmlns:adec="http://schemas.microsoft.com/office/drawing/2017/decorative" xmlns="" val="1"/>
               </a:ext>
             </a:extLst>
           </p:cNvPr>
@@ -2839,7 +2839,7 @@
                 <a16:creationId xmlns:a16="http://schemas.microsoft.com/office/drawing/2014/main" id="{D984A150-581C-4608-9034-48767311A65F}"/>
               </a:ext>
               <a:ext uri="{C183D7F6-B498-43B3-948B-1728B52AA6E4}">
-                <adec:decorative xmlns:adec="http://schemas.microsoft.com/office/drawing/2017/decorative" val="1"/>
+                <adec:decorative xmlns:adec="http://schemas.microsoft.com/office/drawing/2017/decorative" xmlns="" val="1"/>
               </a:ext>
             </a:extLst>
           </p:cNvPr>
@@ -3256,7 +3256,7 @@
                 <a16:creationId xmlns:a16="http://schemas.microsoft.com/office/drawing/2014/main" id="{B9D15A25-1111-478B-8F77-D992652C71C2}"/>
               </a:ext>
               <a:ext uri="{C183D7F6-B498-43B3-948B-1728B52AA6E4}">
-                <adec:decorative xmlns:adec="http://schemas.microsoft.com/office/drawing/2017/decorative" val="1"/>
+                <adec:decorative xmlns:adec="http://schemas.microsoft.com/office/drawing/2017/decorative" xmlns="" val="1"/>
               </a:ext>
             </a:extLst>
           </p:cNvPr>
@@ -3662,7 +3662,7 @@
                 <a16:creationId xmlns:a16="http://schemas.microsoft.com/office/drawing/2014/main" id="{B9D15A25-1111-478B-8F77-D992652C71C2}"/>
               </a:ext>
               <a:ext uri="{C183D7F6-B498-43B3-948B-1728B52AA6E4}">
-                <adec:decorative xmlns:adec="http://schemas.microsoft.com/office/drawing/2017/decorative" val="1"/>
+                <adec:decorative xmlns:adec="http://schemas.microsoft.com/office/drawing/2017/decorative" xmlns="" val="1"/>
               </a:ext>
             </a:extLst>
           </p:cNvPr>
@@ -4020,7 +4020,7 @@
                 <a16:creationId xmlns:a16="http://schemas.microsoft.com/office/drawing/2014/main" id="{D984A150-581C-4608-9034-48767311A65F}"/>
               </a:ext>
               <a:ext uri="{C183D7F6-B498-43B3-948B-1728B52AA6E4}">
-                <adec:decorative xmlns:adec="http://schemas.microsoft.com/office/drawing/2017/decorative" val="1"/>
+                <adec:decorative xmlns:adec="http://schemas.microsoft.com/office/drawing/2017/decorative" xmlns="" val="1"/>
               </a:ext>
             </a:extLst>
           </p:cNvPr>
@@ -4492,7 +4492,7 @@
                 <a16:creationId xmlns:a16="http://schemas.microsoft.com/office/drawing/2014/main" id="{B81E0804-8E9E-4C6E-B18D-44FE715B239E}"/>
               </a:ext>
               <a:ext uri="{C183D7F6-B498-43B3-948B-1728B52AA6E4}">
-                <adec:decorative xmlns:adec="http://schemas.microsoft.com/office/drawing/2017/decorative" val="1"/>
+                <adec:decorative xmlns:adec="http://schemas.microsoft.com/office/drawing/2017/decorative" xmlns="" val="1"/>
               </a:ext>
             </a:extLst>
           </p:cNvPr>
@@ -4960,7 +4960,7 @@
                 <a16:creationId xmlns:a16="http://schemas.microsoft.com/office/drawing/2014/main" id="{D984A150-581C-4608-9034-48767311A65F}"/>
               </a:ext>
               <a:ext uri="{C183D7F6-B498-43B3-948B-1728B52AA6E4}">
-                <adec:decorative xmlns:adec="http://schemas.microsoft.com/office/drawing/2017/decorative" val="1"/>
+                <adec:decorative xmlns:adec="http://schemas.microsoft.com/office/drawing/2017/decorative" xmlns="" val="1"/>
               </a:ext>
             </a:extLst>
           </p:cNvPr>
@@ -7937,6 +7937,13 @@
   <p:clrMapOvr>
     <a:masterClrMapping/>
   </p:clrMapOvr>
+  <p:timing>
+    <p:tnLst>
+      <p:par>
+        <p:cTn id="1" dur="indefinite" restart="never" nodeType="tmRoot"/>
+      </p:par>
+    </p:tnLst>
+  </p:timing>
 </p:sld>
 </file>
 
@@ -8110,6 +8117,13 @@
   <p:clrMapOvr>
     <a:masterClrMapping/>
   </p:clrMapOvr>
+  <p:timing>
+    <p:tnLst>
+      <p:par>
+        <p:cTn id="1" dur="indefinite" restart="never" nodeType="tmRoot"/>
+      </p:par>
+    </p:tnLst>
+  </p:timing>
 </p:sld>
 </file>
 
@@ -8255,6 +8269,36 @@
           </a:p>
         </p:txBody>
       </p:sp>
+      <p:pic>
+        <p:nvPicPr>
+          <p:cNvPr id="2" name="Imagem 1"/>
+          <p:cNvPicPr>
+            <a:picLocks noChangeAspect="1"/>
+          </p:cNvPicPr>
+          <p:nvPr/>
+        </p:nvPicPr>
+        <p:blipFill>
+          <a:blip r:embed="rId3">
+            <a:extLst>
+              <a:ext uri="{28A0092B-C50C-407E-A947-70E740481C1C}">
+                <a14:useLocalDpi xmlns:a14="http://schemas.microsoft.com/office/drawing/2010/main" val="0"/>
+              </a:ext>
+            </a:extLst>
+          </a:blip>
+          <a:stretch>
+            <a:fillRect/>
+          </a:stretch>
+        </p:blipFill>
+        <p:spPr>
+          <a:xfrm>
+            <a:off x="3531735" y="2364233"/>
+            <a:ext cx="4908880" cy="4357242"/>
+          </a:xfrm>
+          <a:prstGeom prst="rect">
+            <a:avLst/>
+          </a:prstGeom>
+        </p:spPr>
+      </p:pic>
     </p:spTree>
     <p:extLst>
       <p:ext uri="{BB962C8B-B14F-4D97-AF65-F5344CB8AC3E}">
@@ -8265,6 +8309,13 @@
   <p:clrMapOvr>
     <a:masterClrMapping/>
   </p:clrMapOvr>
+  <p:timing>
+    <p:tnLst>
+      <p:par>
+        <p:cTn id="1" dur="indefinite" restart="never" nodeType="tmRoot"/>
+      </p:par>
+    </p:tnLst>
+  </p:timing>
 </p:sld>
 </file>
 
@@ -8445,6 +8496,13 @@
   <p:clrMapOvr>
     <a:masterClrMapping/>
   </p:clrMapOvr>
+  <p:timing>
+    <p:tnLst>
+      <p:par>
+        <p:cTn id="1" dur="indefinite" restart="never" nodeType="tmRoot"/>
+      </p:par>
+    </p:tnLst>
+  </p:timing>
 </p:sld>
 </file>
 
@@ -8683,6 +8741,13 @@
   <p:clrMapOvr>
     <a:masterClrMapping/>
   </p:clrMapOvr>
+  <p:timing>
+    <p:tnLst>
+      <p:par>
+        <p:cTn id="1" dur="indefinite" restart="never" nodeType="tmRoot"/>
+      </p:par>
+    </p:tnLst>
+  </p:timing>
 </p:sld>
 </file>
 
@@ -8825,9 +8890,9 @@
           </p:nvPr>
         </p:nvSpPr>
         <p:spPr>
-          <a:xfrm>
-            <a:off x="960120" y="6356350"/>
-            <a:ext cx="3417916" cy="365125"/>
+          <a:xfrm flipH="1">
+            <a:off x="291402" y="6129496"/>
+            <a:ext cx="130629" cy="226854"/>
           </a:xfrm>
         </p:spPr>
         <p:txBody>
@@ -8839,10 +8904,7 @@
                 <a:spcPts val="600"/>
               </a:spcAft>
             </a:pPr>
-            <a:r>
-              <a:rPr lang="pt-BR" noProof="0"/>
-              <a:t>Modelo de Texto do Rodapé</a:t>
-            </a:r>
+            <a:endParaRPr lang="pt-BR" noProof="0" dirty="0"/>
           </a:p>
         </p:txBody>
       </p:sp>
@@ -9207,6 +9269,13 @@
   <p:clrMapOvr>
     <a:masterClrMapping/>
   </p:clrMapOvr>
+  <p:timing>
+    <p:tnLst>
+      <p:par>
+        <p:cTn id="1" dur="indefinite" restart="never" nodeType="tmRoot"/>
+      </p:par>
+    </p:tnLst>
+  </p:timing>
 </p:sld>
 </file>
 
@@ -9920,6 +9989,13 @@
   <p:clrMapOvr>
     <a:masterClrMapping/>
   </p:clrMapOvr>
+  <p:timing>
+    <p:tnLst>
+      <p:par>
+        <p:cTn id="1" dur="indefinite" restart="never" nodeType="tmRoot"/>
+      </p:par>
+    </p:tnLst>
+  </p:timing>
 </p:sld>
 </file>
 
@@ -10269,6 +10345,13 @@
   <p:clrMapOvr>
     <a:masterClrMapping/>
   </p:clrMapOvr>
+  <p:timing>
+    <p:tnLst>
+      <p:par>
+        <p:cTn id="1" dur="indefinite" restart="never" nodeType="tmRoot"/>
+      </p:par>
+    </p:tnLst>
+  </p:timing>
 </p:sld>
 </file>
 
@@ -10393,44 +10476,6 @@
       </p:sp>
       <p:sp>
         <p:nvSpPr>
-          <p:cNvPr id="26" name="Footer Placeholder 8">
-            <a:extLst>
-              <a:ext uri="{FF2B5EF4-FFF2-40B4-BE49-F238E27FC236}">
-                <a16:creationId xmlns:a16="http://schemas.microsoft.com/office/drawing/2014/main" id="{1BF87F91-A846-5C8D-0ECA-B5F8390B919E}"/>
-              </a:ext>
-            </a:extLst>
-          </p:cNvPr>
-          <p:cNvSpPr>
-            <a:spLocks noGrp="1"/>
-          </p:cNvSpPr>
-          <p:nvPr>
-            <p:ph type="ftr" sz="quarter" idx="4294967295"/>
-          </p:nvPr>
-        </p:nvSpPr>
-        <p:spPr>
-          <a:xfrm>
-            <a:off x="960120" y="6356350"/>
-            <a:ext cx="3417916" cy="365125"/>
-          </a:xfrm>
-        </p:spPr>
-        <p:txBody>
-          <a:bodyPr/>
-          <a:lstStyle/>
-          <a:p>
-            <a:pPr rtl="0">
-              <a:spcAft>
-                <a:spcPts val="600"/>
-              </a:spcAft>
-            </a:pPr>
-            <a:r>
-              <a:rPr lang="pt-BR" noProof="0"/>
-              <a:t>Modelo de Texto do Rodapé</a:t>
-            </a:r>
-          </a:p>
-        </p:txBody>
-      </p:sp>
-      <p:sp>
-        <p:nvSpPr>
           <p:cNvPr id="2" name="CaixaDeTexto 1">
             <a:extLst>
               <a:ext uri="{FF2B5EF4-FFF2-40B4-BE49-F238E27FC236}">
@@ -10504,6 +10549,13 @@
   <p:clrMapOvr>
     <a:masterClrMapping/>
   </p:clrMapOvr>
+  <p:timing>
+    <p:tnLst>
+      <p:par>
+        <p:cTn id="1" dur="indefinite" restart="never" nodeType="tmRoot"/>
+      </p:par>
+    </p:tnLst>
+  </p:timing>
 </p:sld>
 </file>
 
@@ -10746,6 +10798,13 @@
   <p:clrMapOvr>
     <a:masterClrMapping/>
   </p:clrMapOvr>
+  <p:timing>
+    <p:tnLst>
+      <p:par>
+        <p:cTn id="1" dur="indefinite" restart="never" nodeType="tmRoot"/>
+      </p:par>
+    </p:tnLst>
+  </p:timing>
 </p:sld>
 </file>
 
@@ -10981,6 +11040,13 @@
   <p:clrMapOvr>
     <a:masterClrMapping/>
   </p:clrMapOvr>
+  <p:timing>
+    <p:tnLst>
+      <p:par>
+        <p:cTn id="1" dur="indefinite" restart="never" nodeType="tmRoot"/>
+      </p:par>
+    </p:tnLst>
+  </p:timing>
 </p:sld>
 </file>
 
@@ -11221,6 +11287,13 @@
   <p:clrMapOvr>
     <a:masterClrMapping/>
   </p:clrMapOvr>
+  <p:timing>
+    <p:tnLst>
+      <p:par>
+        <p:cTn id="1" dur="indefinite" restart="never" nodeType="tmRoot"/>
+      </p:par>
+    </p:tnLst>
+  </p:timing>
 </p:sld>
 </file>
 
@@ -11495,6 +11568,13 @@
   <p:clrMapOvr>
     <a:masterClrMapping/>
   </p:clrMapOvr>
+  <p:timing>
+    <p:tnLst>
+      <p:par>
+        <p:cTn id="1" dur="indefinite" restart="never" nodeType="tmRoot"/>
+      </p:par>
+    </p:tnLst>
+  </p:timing>
 </p:sld>
 </file>
 
@@ -11976,6 +12056,13 @@
   <p:clrMapOvr>
     <a:masterClrMapping/>
   </p:clrMapOvr>
+  <p:timing>
+    <p:tnLst>
+      <p:par>
+        <p:cTn id="1" dur="indefinite" restart="never" nodeType="tmRoot"/>
+      </p:par>
+    </p:tnLst>
+  </p:timing>
 </p:sld>
 </file>
 
@@ -12125,6 +12212,13 @@
   <p:clrMapOvr>
     <a:masterClrMapping/>
   </p:clrMapOvr>
+  <p:timing>
+    <p:tnLst>
+      <p:par>
+        <p:cTn id="1" dur="indefinite" restart="never" nodeType="tmRoot"/>
+      </p:par>
+    </p:tnLst>
+  </p:timing>
 </p:sld>
 </file>
 
@@ -12274,6 +12368,13 @@
   <p:clrMapOvr>
     <a:masterClrMapping/>
   </p:clrMapOvr>
+  <p:timing>
+    <p:tnLst>
+      <p:par>
+        <p:cTn id="1" dur="indefinite" restart="never" nodeType="tmRoot"/>
+      </p:par>
+    </p:tnLst>
+  </p:timing>
 </p:sld>
 </file>
 
@@ -12645,6 +12746,13 @@
   <p:clrMapOvr>
     <a:masterClrMapping/>
   </p:clrMapOvr>
+  <p:timing>
+    <p:tnLst>
+      <p:par>
+        <p:cTn id="1" dur="indefinite" restart="never" nodeType="tmRoot"/>
+      </p:par>
+    </p:tnLst>
+  </p:timing>
 </p:sld>
 </file>
 
@@ -12974,6 +13082,13 @@
   <p:clrMapOvr>
     <a:masterClrMapping/>
   </p:clrMapOvr>
+  <p:timing>
+    <p:tnLst>
+      <p:par>
+        <p:cTn id="1" dur="indefinite" restart="never" nodeType="tmRoot"/>
+      </p:par>
+    </p:tnLst>
+  </p:timing>
 </p:sld>
 </file>
 
@@ -13245,6 +13360,13 @@
   <p:clrMapOvr>
     <a:masterClrMapping/>
   </p:clrMapOvr>
+  <p:timing>
+    <p:tnLst>
+      <p:par>
+        <p:cTn id="1" dur="indefinite" restart="never" nodeType="tmRoot"/>
+      </p:par>
+    </p:tnLst>
+  </p:timing>
 </p:sld>
 </file>
 
@@ -14040,15 +14162,6 @@
 </file>
 
 <file path=customXml/item1.xml><?xml version="1.0" encoding="utf-8"?>
-<?mso-contentType ?>
-<FormTemplates xmlns="http://schemas.microsoft.com/sharepoint/v3/contenttype/forms">
-  <Display>DocumentLibraryForm</Display>
-  <Edit>DocumentLibraryForm</Edit>
-  <New>DocumentLibraryForm</New>
-</FormTemplates>
-</file>
-
-<file path=customXml/item2.xml><?xml version="1.0" encoding="utf-8"?>
 <ct:contentTypeSchema xmlns:ct="http://schemas.microsoft.com/office/2006/metadata/contentType" xmlns:ma="http://schemas.microsoft.com/office/2006/metadata/properties/metaAttributes" ct:_="" ma:_="" ma:contentTypeName="Document" ma:contentTypeID="0x01010079F111ED35F8CC479449609E8A0923A6" ma:contentTypeVersion="20" ma:contentTypeDescription="Create a new document." ma:contentTypeScope="" ma:versionID="1267097ee5f5874adfcc408041ae252e">
   <xsd:schema xmlns:xsd="http://www.w3.org/2001/XMLSchema" xmlns:xs="http://www.w3.org/2001/XMLSchema" xmlns:p="http://schemas.microsoft.com/office/2006/metadata/properties" xmlns:ns1="http://schemas.microsoft.com/sharepoint/v3" xmlns:ns2="71af3243-3dd4-4a8d-8c0d-dd76da1f02a5" xmlns:ns3="16c05727-aa75-4e4a-9b5f-8a80a1165891" xmlns:ns4="230e9df3-be65-4c73-a93b-d1236ebd677e" targetNamespace="http://schemas.microsoft.com/office/2006/metadata/properties" ma:root="true" ma:fieldsID="395891a93df65b14727750f2c06c306c" ns1:_="" ns2:_="" ns3:_="" ns4:_="">
     <xsd:import namespace="http://schemas.microsoft.com/sharepoint/v3"/>
@@ -14324,6 +14437,15 @@
 </ct:contentTypeSchema>
 </file>
 
+<file path=customXml/item2.xml><?xml version="1.0" encoding="utf-8"?>
+<?mso-contentType ?>
+<FormTemplates xmlns="http://schemas.microsoft.com/sharepoint/v3/contenttype/forms">
+  <Display>DocumentLibraryForm</Display>
+  <Edit>DocumentLibraryForm</Edit>
+  <New>DocumentLibraryForm</New>
+</FormTemplates>
+</file>
+
 <file path=customXml/item3.xml><?xml version="1.0" encoding="utf-8"?>
 <p:properties xmlns:p="http://schemas.microsoft.com/office/2006/metadata/properties" xmlns:xsi="http://www.w3.org/2001/XMLSchema-instance" xmlns:pc="http://schemas.microsoft.com/office/infopath/2007/PartnerControls">
   <documentManagement>
@@ -14344,14 +14466,6 @@
 </file>
 
 <file path=customXml/itemProps1.xml><?xml version="1.0" encoding="utf-8"?>
-<ds:datastoreItem xmlns:ds="http://schemas.openxmlformats.org/officeDocument/2006/customXml" ds:itemID="{AA0EFE35-5C2D-4EEC-93CA-7B3D4088735C}">
-  <ds:schemaRefs>
-    <ds:schemaRef ds:uri="http://schemas.microsoft.com/sharepoint/v3/contenttype/forms"/>
-  </ds:schemaRefs>
-</ds:datastoreItem>
-</file>
-
-<file path=customXml/itemProps2.xml><?xml version="1.0" encoding="utf-8"?>
 <ds:datastoreItem xmlns:ds="http://schemas.openxmlformats.org/officeDocument/2006/customXml" ds:itemID="{33878E47-D7B4-44CA-8507-24783F79A5A1}">
   <ds:schemaRefs>
     <ds:schemaRef ds:uri="http://schemas.microsoft.com/office/2006/metadata/contentType"/>
@@ -14372,6 +14486,14 @@
 </ds:datastoreItem>
 </file>
 
+<file path=customXml/itemProps2.xml><?xml version="1.0" encoding="utf-8"?>
+<ds:datastoreItem xmlns:ds="http://schemas.openxmlformats.org/officeDocument/2006/customXml" ds:itemID="{AA0EFE35-5C2D-4EEC-93CA-7B3D4088735C}">
+  <ds:schemaRefs>
+    <ds:schemaRef ds:uri="http://schemas.microsoft.com/sharepoint/v3/contenttype/forms"/>
+  </ds:schemaRefs>
+</ds:datastoreItem>
+</file>
+
 <file path=customXml/itemProps3.xml><?xml version="1.0" encoding="utf-8"?>
 <ds:datastoreItem xmlns:ds="http://schemas.openxmlformats.org/officeDocument/2006/customXml" ds:itemID="{6251B918-0091-4E96-9E28-42B87D9557A7}">
   <ds:schemaRefs>
